--- a/Contents Security/导师汇报.pptx
+++ b/Contents Security/导师汇报.pptx
@@ -203,7 +203,7 @@
           <a:p>
             <a:fld id="{59009D8B-F3A2-4558-BB55-C0A8EE1A7E61}" type="datetimeFigureOut">
               <a:rPr lang="zh-CN" altLang="en-US" smtClean="0"/>
-              <a:t>2018/8/11</a:t>
+              <a:t>2018/8/12</a:t>
             </a:fld>
             <a:endParaRPr lang="zh-CN" altLang="en-US"/>
           </a:p>
@@ -2660,7 +2660,7 @@
           <a:p>
             <a:fld id="{A472F121-6D32-4201-A542-DB7FC92FBF42}" type="datetimeFigureOut">
               <a:rPr lang="zh-CN" altLang="en-US" smtClean="0"/>
-              <a:t>2018/8/11</a:t>
+              <a:t>2018/8/12</a:t>
             </a:fld>
             <a:endParaRPr lang="zh-CN" altLang="en-US"/>
           </a:p>
@@ -2830,7 +2830,7 @@
           <a:p>
             <a:fld id="{A472F121-6D32-4201-A542-DB7FC92FBF42}" type="datetimeFigureOut">
               <a:rPr lang="zh-CN" altLang="en-US" smtClean="0"/>
-              <a:t>2018/8/11</a:t>
+              <a:t>2018/8/12</a:t>
             </a:fld>
             <a:endParaRPr lang="zh-CN" altLang="en-US"/>
           </a:p>
@@ -3010,7 +3010,7 @@
           <a:p>
             <a:fld id="{A472F121-6D32-4201-A542-DB7FC92FBF42}" type="datetimeFigureOut">
               <a:rPr lang="zh-CN" altLang="en-US" smtClean="0"/>
-              <a:t>2018/8/11</a:t>
+              <a:t>2018/8/12</a:t>
             </a:fld>
             <a:endParaRPr lang="zh-CN" altLang="en-US"/>
           </a:p>
@@ -3180,7 +3180,7 @@
           <a:p>
             <a:fld id="{A472F121-6D32-4201-A542-DB7FC92FBF42}" type="datetimeFigureOut">
               <a:rPr lang="zh-CN" altLang="en-US" smtClean="0"/>
-              <a:t>2018/8/11</a:t>
+              <a:t>2018/8/12</a:t>
             </a:fld>
             <a:endParaRPr lang="zh-CN" altLang="en-US"/>
           </a:p>
@@ -3426,7 +3426,7 @@
           <a:p>
             <a:fld id="{A472F121-6D32-4201-A542-DB7FC92FBF42}" type="datetimeFigureOut">
               <a:rPr lang="zh-CN" altLang="en-US" smtClean="0"/>
-              <a:t>2018/8/11</a:t>
+              <a:t>2018/8/12</a:t>
             </a:fld>
             <a:endParaRPr lang="zh-CN" altLang="en-US"/>
           </a:p>
@@ -3658,7 +3658,7 @@
           <a:p>
             <a:fld id="{A472F121-6D32-4201-A542-DB7FC92FBF42}" type="datetimeFigureOut">
               <a:rPr lang="zh-CN" altLang="en-US" smtClean="0"/>
-              <a:t>2018/8/11</a:t>
+              <a:t>2018/8/12</a:t>
             </a:fld>
             <a:endParaRPr lang="zh-CN" altLang="en-US"/>
           </a:p>
@@ -4025,7 +4025,7 @@
           <a:p>
             <a:fld id="{A472F121-6D32-4201-A542-DB7FC92FBF42}" type="datetimeFigureOut">
               <a:rPr lang="zh-CN" altLang="en-US" smtClean="0"/>
-              <a:t>2018/8/11</a:t>
+              <a:t>2018/8/12</a:t>
             </a:fld>
             <a:endParaRPr lang="zh-CN" altLang="en-US"/>
           </a:p>
@@ -4143,7 +4143,7 @@
           <a:p>
             <a:fld id="{A472F121-6D32-4201-A542-DB7FC92FBF42}" type="datetimeFigureOut">
               <a:rPr lang="zh-CN" altLang="en-US" smtClean="0"/>
-              <a:t>2018/8/11</a:t>
+              <a:t>2018/8/12</a:t>
             </a:fld>
             <a:endParaRPr lang="zh-CN" altLang="en-US"/>
           </a:p>
@@ -4238,7 +4238,7 @@
           <a:p>
             <a:fld id="{A472F121-6D32-4201-A542-DB7FC92FBF42}" type="datetimeFigureOut">
               <a:rPr lang="zh-CN" altLang="en-US" smtClean="0"/>
-              <a:t>2018/8/11</a:t>
+              <a:t>2018/8/12</a:t>
             </a:fld>
             <a:endParaRPr lang="zh-CN" altLang="en-US"/>
           </a:p>
@@ -4515,7 +4515,7 @@
           <a:p>
             <a:fld id="{A472F121-6D32-4201-A542-DB7FC92FBF42}" type="datetimeFigureOut">
               <a:rPr lang="zh-CN" altLang="en-US" smtClean="0"/>
-              <a:t>2018/8/11</a:t>
+              <a:t>2018/8/12</a:t>
             </a:fld>
             <a:endParaRPr lang="zh-CN" altLang="en-US"/>
           </a:p>
@@ -4768,7 +4768,7 @@
           <a:p>
             <a:fld id="{A472F121-6D32-4201-A542-DB7FC92FBF42}" type="datetimeFigureOut">
               <a:rPr lang="zh-CN" altLang="en-US" smtClean="0"/>
-              <a:t>2018/8/11</a:t>
+              <a:t>2018/8/12</a:t>
             </a:fld>
             <a:endParaRPr lang="zh-CN" altLang="en-US"/>
           </a:p>
@@ -4981,7 +4981,7 @@
           <a:p>
             <a:fld id="{A472F121-6D32-4201-A542-DB7FC92FBF42}" type="datetimeFigureOut">
               <a:rPr lang="zh-CN" altLang="en-US" smtClean="0"/>
-              <a:t>2018/8/11</a:t>
+              <a:t>2018/8/12</a:t>
             </a:fld>
             <a:endParaRPr lang="zh-CN" altLang="en-US"/>
           </a:p>
@@ -6330,411 +6330,6 @@
           <a:lstStyle/>
           <a:p>
             <a:pPr algn="ctr"/>
-            <a:endParaRPr lang="zh-CN" altLang="en-US" dirty="0"/>
-          </a:p>
-        </p:txBody>
-      </p:sp>
-      <p:cxnSp>
-        <p:nvCxnSpPr>
-          <p:cNvPr id="13" name="直接连接符 12"/>
-          <p:cNvCxnSpPr/>
-          <p:nvPr/>
-        </p:nvCxnSpPr>
-        <p:spPr>
-          <a:xfrm>
-            <a:off x="1365813" y="4572000"/>
-            <a:ext cx="11574" cy="1603093"/>
-          </a:xfrm>
-          <a:prstGeom prst="line">
-            <a:avLst/>
-          </a:prstGeom>
-          <a:ln w="57150"/>
-        </p:spPr>
-        <p:style>
-          <a:lnRef idx="1">
-            <a:schemeClr val="accent1"/>
-          </a:lnRef>
-          <a:fillRef idx="0">
-            <a:schemeClr val="accent1"/>
-          </a:fillRef>
-          <a:effectRef idx="0">
-            <a:schemeClr val="accent1"/>
-          </a:effectRef>
-          <a:fontRef idx="minor">
-            <a:schemeClr val="tx1"/>
-          </a:fontRef>
-        </p:style>
-      </p:cxnSp>
-      <p:cxnSp>
-        <p:nvCxnSpPr>
-          <p:cNvPr id="14" name="直接连接符 13"/>
-          <p:cNvCxnSpPr/>
-          <p:nvPr/>
-        </p:nvCxnSpPr>
-        <p:spPr>
-          <a:xfrm>
-            <a:off x="5231758" y="4922133"/>
-            <a:ext cx="11574" cy="1252960"/>
-          </a:xfrm>
-          <a:prstGeom prst="line">
-            <a:avLst/>
-          </a:prstGeom>
-          <a:ln w="57150"/>
-        </p:spPr>
-        <p:style>
-          <a:lnRef idx="1">
-            <a:schemeClr val="accent1"/>
-          </a:lnRef>
-          <a:fillRef idx="0">
-            <a:schemeClr val="accent1"/>
-          </a:fillRef>
-          <a:effectRef idx="0">
-            <a:schemeClr val="accent1"/>
-          </a:effectRef>
-          <a:fontRef idx="minor">
-            <a:schemeClr val="tx1"/>
-          </a:fontRef>
-        </p:style>
-      </p:cxnSp>
-      <p:cxnSp>
-        <p:nvCxnSpPr>
-          <p:cNvPr id="15" name="直接连接符 14"/>
-          <p:cNvCxnSpPr/>
-          <p:nvPr/>
-        </p:nvCxnSpPr>
-        <p:spPr>
-          <a:xfrm>
-            <a:off x="8476526" y="4776486"/>
-            <a:ext cx="7717" cy="1398607"/>
-          </a:xfrm>
-          <a:prstGeom prst="line">
-            <a:avLst/>
-          </a:prstGeom>
-          <a:ln w="57150"/>
-        </p:spPr>
-        <p:style>
-          <a:lnRef idx="1">
-            <a:schemeClr val="accent1"/>
-          </a:lnRef>
-          <a:fillRef idx="0">
-            <a:schemeClr val="accent1"/>
-          </a:fillRef>
-          <a:effectRef idx="0">
-            <a:schemeClr val="accent1"/>
-          </a:effectRef>
-          <a:fontRef idx="minor">
-            <a:schemeClr val="tx1"/>
-          </a:fontRef>
-        </p:style>
-      </p:cxnSp>
-      <p:cxnSp>
-        <p:nvCxnSpPr>
-          <p:cNvPr id="23" name="直接连接符 22"/>
-          <p:cNvCxnSpPr/>
-          <p:nvPr/>
-        </p:nvCxnSpPr>
-        <p:spPr>
-          <a:xfrm>
-            <a:off x="1713054" y="6435524"/>
-            <a:ext cx="2882096" cy="0"/>
-          </a:xfrm>
-          <a:prstGeom prst="line">
-            <a:avLst/>
-          </a:prstGeom>
-          <a:ln>
-            <a:solidFill>
-              <a:schemeClr val="tx1"/>
-            </a:solidFill>
-          </a:ln>
-        </p:spPr>
-        <p:style>
-          <a:lnRef idx="1">
-            <a:schemeClr val="accent1"/>
-          </a:lnRef>
-          <a:fillRef idx="0">
-            <a:schemeClr val="accent1"/>
-          </a:fillRef>
-          <a:effectRef idx="0">
-            <a:schemeClr val="accent1"/>
-          </a:effectRef>
-          <a:fontRef idx="minor">
-            <a:schemeClr val="tx1"/>
-          </a:fontRef>
-        </p:style>
-      </p:cxnSp>
-      <p:cxnSp>
-        <p:nvCxnSpPr>
-          <p:cNvPr id="25" name="直接连接符 24"/>
-          <p:cNvCxnSpPr/>
-          <p:nvPr/>
-        </p:nvCxnSpPr>
-        <p:spPr>
-          <a:xfrm>
-            <a:off x="5524983" y="6435524"/>
-            <a:ext cx="2882096" cy="0"/>
-          </a:xfrm>
-          <a:prstGeom prst="line">
-            <a:avLst/>
-          </a:prstGeom>
-          <a:ln>
-            <a:solidFill>
-              <a:schemeClr val="tx1"/>
-            </a:solidFill>
-          </a:ln>
-        </p:spPr>
-        <p:style>
-          <a:lnRef idx="1">
-            <a:schemeClr val="accent1"/>
-          </a:lnRef>
-          <a:fillRef idx="0">
-            <a:schemeClr val="accent1"/>
-          </a:fillRef>
-          <a:effectRef idx="0">
-            <a:schemeClr val="accent1"/>
-          </a:effectRef>
-          <a:fontRef idx="minor">
-            <a:schemeClr val="tx1"/>
-          </a:fontRef>
-        </p:style>
-      </p:cxnSp>
-      <p:cxnSp>
-        <p:nvCxnSpPr>
-          <p:cNvPr id="26" name="直接连接符 25"/>
-          <p:cNvCxnSpPr/>
-          <p:nvPr/>
-        </p:nvCxnSpPr>
-        <p:spPr>
-          <a:xfrm>
-            <a:off x="9448801" y="6419483"/>
-            <a:ext cx="1099595" cy="0"/>
-          </a:xfrm>
-          <a:prstGeom prst="line">
-            <a:avLst/>
-          </a:prstGeom>
-          <a:ln>
-            <a:solidFill>
-              <a:schemeClr val="tx1"/>
-            </a:solidFill>
-          </a:ln>
-        </p:spPr>
-        <p:style>
-          <a:lnRef idx="1">
-            <a:schemeClr val="accent1"/>
-          </a:lnRef>
-          <a:fillRef idx="0">
-            <a:schemeClr val="accent1"/>
-          </a:fillRef>
-          <a:effectRef idx="0">
-            <a:schemeClr val="accent1"/>
-          </a:effectRef>
-          <a:fontRef idx="minor">
-            <a:schemeClr val="tx1"/>
-          </a:fontRef>
-        </p:style>
-      </p:cxnSp>
-      <p:cxnSp>
-        <p:nvCxnSpPr>
-          <p:cNvPr id="34" name="直接连接符 33"/>
-          <p:cNvCxnSpPr/>
-          <p:nvPr/>
-        </p:nvCxnSpPr>
-        <p:spPr>
-          <a:xfrm>
-            <a:off x="626963" y="6435524"/>
-            <a:ext cx="391609" cy="0"/>
-          </a:xfrm>
-          <a:prstGeom prst="line">
-            <a:avLst/>
-          </a:prstGeom>
-          <a:ln>
-            <a:solidFill>
-              <a:schemeClr val="tx1"/>
-            </a:solidFill>
-          </a:ln>
-        </p:spPr>
-        <p:style>
-          <a:lnRef idx="1">
-            <a:schemeClr val="accent1"/>
-          </a:lnRef>
-          <a:fillRef idx="0">
-            <a:schemeClr val="accent1"/>
-          </a:fillRef>
-          <a:effectRef idx="0">
-            <a:schemeClr val="accent1"/>
-          </a:effectRef>
-          <a:fontRef idx="minor">
-            <a:schemeClr val="tx1"/>
-          </a:fontRef>
-        </p:style>
-      </p:cxnSp>
-      <p:sp>
-        <p:nvSpPr>
-          <p:cNvPr id="36" name="文本框 35"/>
-          <p:cNvSpPr txBox="1"/>
-          <p:nvPr/>
-        </p:nvSpPr>
-        <p:spPr>
-          <a:xfrm>
-            <a:off x="0" y="6250858"/>
-            <a:ext cx="671332" cy="369332"/>
-          </a:xfrm>
-          <a:prstGeom prst="rect">
-            <a:avLst/>
-          </a:prstGeom>
-          <a:noFill/>
-        </p:spPr>
-        <p:txBody>
-          <a:bodyPr wrap="square" rtlCol="0">
-            <a:spAutoFit/>
-          </a:bodyPr>
-          <a:lstStyle/>
-          <a:p>
-            <a:r>
-              <a:rPr lang="zh-CN" altLang="en-US" dirty="0" smtClean="0"/>
-              <a:t>文本</a:t>
-            </a:r>
-            <a:endParaRPr lang="zh-CN" altLang="en-US" dirty="0"/>
-          </a:p>
-        </p:txBody>
-      </p:sp>
-      <p:sp>
-        <p:nvSpPr>
-          <p:cNvPr id="37" name="文本框 36"/>
-          <p:cNvSpPr txBox="1"/>
-          <p:nvPr/>
-        </p:nvSpPr>
-        <p:spPr>
-          <a:xfrm>
-            <a:off x="1041721" y="6245335"/>
-            <a:ext cx="671332" cy="369332"/>
-          </a:xfrm>
-          <a:prstGeom prst="rect">
-            <a:avLst/>
-          </a:prstGeom>
-          <a:noFill/>
-        </p:spPr>
-        <p:txBody>
-          <a:bodyPr wrap="square" rtlCol="0">
-            <a:spAutoFit/>
-          </a:bodyPr>
-          <a:lstStyle/>
-          <a:p>
-            <a:r>
-              <a:rPr lang="zh-CN" altLang="en-US" dirty="0" smtClean="0"/>
-              <a:t>词组</a:t>
-            </a:r>
-            <a:endParaRPr lang="zh-CN" altLang="en-US" dirty="0"/>
-          </a:p>
-        </p:txBody>
-      </p:sp>
-      <p:sp>
-        <p:nvSpPr>
-          <p:cNvPr id="38" name="文本框 37"/>
-          <p:cNvSpPr txBox="1"/>
-          <p:nvPr/>
-        </p:nvSpPr>
-        <p:spPr>
-          <a:xfrm>
-            <a:off x="4788062" y="6262961"/>
-            <a:ext cx="671332" cy="369332"/>
-          </a:xfrm>
-          <a:prstGeom prst="rect">
-            <a:avLst/>
-          </a:prstGeom>
-          <a:noFill/>
-        </p:spPr>
-        <p:txBody>
-          <a:bodyPr wrap="square" rtlCol="0">
-            <a:spAutoFit/>
-          </a:bodyPr>
-          <a:lstStyle/>
-          <a:p>
-            <a:r>
-              <a:rPr lang="zh-CN" altLang="en-US" dirty="0"/>
-              <a:t>向量</a:t>
-            </a:r>
-          </a:p>
-        </p:txBody>
-      </p:sp>
-      <p:sp>
-        <p:nvSpPr>
-          <p:cNvPr id="39" name="文本框 38"/>
-          <p:cNvSpPr txBox="1"/>
-          <p:nvPr/>
-        </p:nvSpPr>
-        <p:spPr>
-          <a:xfrm>
-            <a:off x="8345347" y="6184640"/>
-            <a:ext cx="1334945" cy="646331"/>
-          </a:xfrm>
-          <a:prstGeom prst="rect">
-            <a:avLst/>
-          </a:prstGeom>
-          <a:noFill/>
-        </p:spPr>
-        <p:txBody>
-          <a:bodyPr wrap="square" rtlCol="0">
-            <a:spAutoFit/>
-          </a:bodyPr>
-          <a:lstStyle/>
-          <a:p>
-            <a:r>
-              <a:rPr lang="zh-CN" altLang="en-US" dirty="0" smtClean="0"/>
-              <a:t>文本类别</a:t>
-            </a:r>
-            <a:r>
-              <a:rPr lang="en-US" altLang="zh-CN" dirty="0" smtClean="0"/>
-              <a:t/>
-            </a:r>
-            <a:br>
-              <a:rPr lang="en-US" altLang="zh-CN" dirty="0" smtClean="0"/>
-            </a:br>
-            <a:r>
-              <a:rPr lang="zh-CN" altLang="en-US" dirty="0" smtClean="0"/>
-              <a:t>大类</a:t>
-            </a:r>
-            <a:endParaRPr lang="zh-CN" altLang="en-US" dirty="0"/>
-          </a:p>
-        </p:txBody>
-      </p:sp>
-      <p:sp>
-        <p:nvSpPr>
-          <p:cNvPr id="40" name="文本框 39"/>
-          <p:cNvSpPr txBox="1"/>
-          <p:nvPr/>
-        </p:nvSpPr>
-        <p:spPr>
-          <a:xfrm>
-            <a:off x="10548395" y="6175093"/>
-            <a:ext cx="1720769" cy="646331"/>
-          </a:xfrm>
-          <a:prstGeom prst="rect">
-            <a:avLst/>
-          </a:prstGeom>
-          <a:noFill/>
-        </p:spPr>
-        <p:txBody>
-          <a:bodyPr wrap="square" rtlCol="0">
-            <a:spAutoFit/>
-          </a:bodyPr>
-          <a:lstStyle/>
-          <a:p>
-            <a:r>
-              <a:rPr lang="zh-CN" altLang="en-US" dirty="0" smtClean="0"/>
-              <a:t>更为细致的恶意类别</a:t>
-            </a:r>
-            <a:r>
-              <a:rPr lang="en-US" altLang="zh-CN" dirty="0" smtClean="0"/>
-              <a:t>(</a:t>
-            </a:r>
-            <a:r>
-              <a:rPr lang="zh-CN" altLang="en-US" dirty="0" smtClean="0"/>
-              <a:t>定性</a:t>
-            </a:r>
-            <a:r>
-              <a:rPr lang="en-US" altLang="zh-CN" dirty="0" smtClean="0"/>
-              <a:t>)</a:t>
-            </a:r>
             <a:endParaRPr lang="zh-CN" altLang="en-US" dirty="0"/>
           </a:p>
         </p:txBody>
